--- a/4. Avoir une base d’images HQR (High Quality Resources)/Avoir une base d’images HQR (High Quality Resources).pptx
+++ b/4. Avoir une base d’images HQR (High Quality Resources)/Avoir une base d’images HQR (High Quality Resources).pptx
@@ -7,9 +7,16 @@
   <p:sldIdLst>
     <p:sldId id="256" r:id="rId2"/>
     <p:sldId id="257" r:id="rId3"/>
-    <p:sldId id="279" r:id="rId4"/>
-    <p:sldId id="274" r:id="rId5"/>
-    <p:sldId id="280" r:id="rId6"/>
+    <p:sldId id="281" r:id="rId4"/>
+    <p:sldId id="279" r:id="rId5"/>
+    <p:sldId id="282" r:id="rId6"/>
+    <p:sldId id="283" r:id="rId7"/>
+    <p:sldId id="284" r:id="rId8"/>
+    <p:sldId id="285" r:id="rId9"/>
+    <p:sldId id="286" r:id="rId10"/>
+    <p:sldId id="287" r:id="rId11"/>
+    <p:sldId id="274" r:id="rId12"/>
+    <p:sldId id="280" r:id="rId13"/>
   </p:sldIdLst>
   <p:sldSz cx="12192000" cy="6858000"/>
   <p:notesSz cx="6858000" cy="9144000"/>
@@ -20685,6 +20692,296 @@
 </p:sld>
 </file>
 
+<file path=ppt/slides/slide10.xml><?xml version="1.0" encoding="utf-8"?>
+<p:sld xmlns:a="http://schemas.openxmlformats.org/drawingml/2006/main" xmlns:r="http://schemas.openxmlformats.org/officeDocument/2006/relationships" xmlns:p="http://schemas.openxmlformats.org/presentationml/2006/main">
+  <p:cSld>
+    <p:spTree>
+      <p:nvGrpSpPr>
+        <p:cNvPr id="1" name=""/>
+        <p:cNvGrpSpPr/>
+        <p:nvPr/>
+      </p:nvGrpSpPr>
+      <p:grpSpPr>
+        <a:xfrm>
+          <a:off x="0" y="0"/>
+          <a:ext cx="0" cy="0"/>
+          <a:chOff x="0" y="0"/>
+          <a:chExt cx="0" cy="0"/>
+        </a:xfrm>
+      </p:grpSpPr>
+      <p:sp>
+        <p:nvSpPr>
+          <p:cNvPr id="2" name="Titre 1"/>
+          <p:cNvSpPr>
+            <a:spLocks noGrp="1"/>
+          </p:cNvSpPr>
+          <p:nvPr>
+            <p:ph type="title"/>
+          </p:nvPr>
+        </p:nvSpPr>
+        <p:spPr/>
+        <p:txBody>
+          <a:bodyPr/>
+          <a:lstStyle/>
+          <a:p>
+            <a:r>
+              <a:rPr lang="fr-MA" dirty="0"/>
+              <a:t>Web Design </a:t>
+            </a:r>
+            <a:r>
+              <a:rPr lang="fr-MA" dirty="0" smtClean="0"/>
+              <a:t>Inspiration</a:t>
+            </a:r>
+            <a:endParaRPr lang="fr-MA" dirty="0"/>
+          </a:p>
+        </p:txBody>
+      </p:sp>
+    </p:spTree>
+    <p:extLst>
+      <p:ext uri="{BB962C8B-B14F-4D97-AF65-F5344CB8AC3E}">
+        <p14:creationId xmlns:p14="http://schemas.microsoft.com/office/powerpoint/2010/main" val="656239299"/>
+      </p:ext>
+    </p:extLst>
+  </p:cSld>
+  <p:clrMapOvr>
+    <a:masterClrMapping/>
+  </p:clrMapOvr>
+  <p:timing>
+    <p:tnLst>
+      <p:par>
+        <p:cTn id="1" dur="indefinite" restart="never" nodeType="tmRoot"/>
+      </p:par>
+    </p:tnLst>
+  </p:timing>
+</p:sld>
+</file>
+
+<file path=ppt/slides/slide11.xml><?xml version="1.0" encoding="utf-8"?>
+<p:sld xmlns:a="http://schemas.openxmlformats.org/drawingml/2006/main" xmlns:r="http://schemas.openxmlformats.org/officeDocument/2006/relationships" xmlns:p="http://schemas.openxmlformats.org/presentationml/2006/main">
+  <p:cSld>
+    <p:spTree>
+      <p:nvGrpSpPr>
+        <p:cNvPr id="1" name=""/>
+        <p:cNvGrpSpPr/>
+        <p:nvPr/>
+      </p:nvGrpSpPr>
+      <p:grpSpPr>
+        <a:xfrm>
+          <a:off x="0" y="0"/>
+          <a:ext cx="0" cy="0"/>
+          <a:chOff x="0" y="0"/>
+          <a:chExt cx="0" cy="0"/>
+        </a:xfrm>
+      </p:grpSpPr>
+      <p:sp>
+        <p:nvSpPr>
+          <p:cNvPr id="2" name="Titre 1"/>
+          <p:cNvSpPr>
+            <a:spLocks noGrp="1"/>
+          </p:cNvSpPr>
+          <p:nvPr>
+            <p:ph type="title"/>
+          </p:nvPr>
+        </p:nvSpPr>
+        <p:spPr>
+          <a:xfrm>
+            <a:off x="1693598" y="3377401"/>
+            <a:ext cx="9720072" cy="1499616"/>
+          </a:xfrm>
+        </p:spPr>
+        <p:txBody>
+          <a:bodyPr>
+            <a:normAutofit fontScale="90000"/>
+          </a:bodyPr>
+          <a:lstStyle/>
+          <a:p>
+            <a:r>
+              <a:rPr lang="fr-FR" sz="41400" dirty="0" smtClean="0"/>
+              <a:t>Merci</a:t>
+            </a:r>
+            <a:endParaRPr lang="fr-MA" dirty="0"/>
+          </a:p>
+        </p:txBody>
+      </p:sp>
+    </p:spTree>
+    <p:extLst>
+      <p:ext uri="{BB962C8B-B14F-4D97-AF65-F5344CB8AC3E}">
+        <p14:creationId xmlns:p14="http://schemas.microsoft.com/office/powerpoint/2010/main" val="605908160"/>
+      </p:ext>
+    </p:extLst>
+  </p:cSld>
+  <p:clrMapOvr>
+    <a:masterClrMapping/>
+  </p:clrMapOvr>
+  <p:timing>
+    <p:tnLst>
+      <p:par>
+        <p:cTn id="1" dur="indefinite" restart="never" nodeType="tmRoot"/>
+      </p:par>
+    </p:tnLst>
+  </p:timing>
+</p:sld>
+</file>
+
+<file path=ppt/slides/slide12.xml><?xml version="1.0" encoding="utf-8"?>
+<p:sld xmlns:a="http://schemas.openxmlformats.org/drawingml/2006/main" xmlns:r="http://schemas.openxmlformats.org/officeDocument/2006/relationships" xmlns:p="http://schemas.openxmlformats.org/presentationml/2006/main">
+  <p:cSld>
+    <p:spTree>
+      <p:nvGrpSpPr>
+        <p:cNvPr id="1" name=""/>
+        <p:cNvGrpSpPr/>
+        <p:nvPr/>
+      </p:nvGrpSpPr>
+      <p:grpSpPr>
+        <a:xfrm>
+          <a:off x="0" y="0"/>
+          <a:ext cx="0" cy="0"/>
+          <a:chOff x="0" y="0"/>
+          <a:chExt cx="0" cy="0"/>
+        </a:xfrm>
+      </p:grpSpPr>
+      <p:sp>
+        <p:nvSpPr>
+          <p:cNvPr id="2" name="Titre 1"/>
+          <p:cNvSpPr>
+            <a:spLocks noGrp="1"/>
+          </p:cNvSpPr>
+          <p:nvPr>
+            <p:ph type="title"/>
+          </p:nvPr>
+        </p:nvSpPr>
+        <p:spPr/>
+        <p:txBody>
+          <a:bodyPr>
+            <a:normAutofit/>
+          </a:bodyPr>
+          <a:lstStyle/>
+          <a:p>
+            <a:r>
+              <a:rPr lang="fr-FR" sz="5400" dirty="0" smtClean="0"/>
+              <a:t>Simulation Surprise</a:t>
+            </a:r>
+            <a:endParaRPr lang="fr-MA" dirty="0"/>
+          </a:p>
+        </p:txBody>
+      </p:sp>
+      <p:sp>
+        <p:nvSpPr>
+          <p:cNvPr id="4" name="Rectangle 3"/>
+          <p:cNvSpPr/>
+          <p:nvPr/>
+        </p:nvSpPr>
+        <p:spPr>
+          <a:xfrm>
+            <a:off x="7769186" y="6488668"/>
+            <a:ext cx="4422814" cy="369332"/>
+          </a:xfrm>
+          <a:prstGeom prst="rect">
+            <a:avLst/>
+          </a:prstGeom>
+        </p:spPr>
+        <p:txBody>
+          <a:bodyPr wrap="none">
+            <a:spAutoFit/>
+          </a:bodyPr>
+          <a:lstStyle/>
+          <a:p>
+            <a:r>
+              <a:rPr lang="fr-MA" dirty="0" smtClean="0"/>
+              <a:t>Matière</a:t>
+            </a:r>
+            <a:r>
+              <a:rPr lang="fr-MA" dirty="0" smtClean="0"/>
+              <a:t> </a:t>
+            </a:r>
+            <a:r>
+              <a:rPr lang="fr-MA" dirty="0" smtClean="0"/>
+              <a:t>disponibles dans le dossier Simulation</a:t>
+            </a:r>
+            <a:endParaRPr lang="fr-MA" dirty="0"/>
+          </a:p>
+        </p:txBody>
+      </p:sp>
+      <p:sp>
+        <p:nvSpPr>
+          <p:cNvPr id="5" name="ZoneTexte 4"/>
+          <p:cNvSpPr txBox="1"/>
+          <p:nvPr/>
+        </p:nvSpPr>
+        <p:spPr>
+          <a:xfrm>
+            <a:off x="1485900" y="2775857"/>
+            <a:ext cx="9258300" cy="2585323"/>
+          </a:xfrm>
+          <a:prstGeom prst="rect">
+            <a:avLst/>
+          </a:prstGeom>
+          <a:noFill/>
+        </p:spPr>
+        <p:txBody>
+          <a:bodyPr wrap="square" rtlCol="0">
+            <a:spAutoFit/>
+          </a:bodyPr>
+          <a:lstStyle/>
+          <a:p>
+            <a:r>
+              <a:rPr lang="fr-MA" dirty="0" smtClean="0"/>
+              <a:t>Oups! Nous venons de recevoir un appel de</a:t>
+            </a:r>
+            <a:r>
+              <a:rPr lang="fr-MA" dirty="0" smtClean="0"/>
+              <a:t> Jonathan, </a:t>
+            </a:r>
+            <a:r>
+              <a:rPr lang="fr-MA" dirty="0" smtClean="0"/>
+              <a:t>ayant aimé le travail que vous avez effectué lors de sa demande concernant son père, revient vers vous pour vous faire une proposition d’affiche urgente pour sa boite de télécommunication.</a:t>
+            </a:r>
+          </a:p>
+          <a:p>
+            <a:endParaRPr lang="fr-MA" dirty="0"/>
+          </a:p>
+          <a:p>
+            <a:r>
+              <a:rPr lang="fr-MA" dirty="0" smtClean="0"/>
+              <a:t>Dans cette affiche Jonathan souhaite que vous présentiez son nouveau produit téléphonique le ZX-007.</a:t>
+            </a:r>
+          </a:p>
+          <a:p>
+            <a:endParaRPr lang="fr-MA" dirty="0"/>
+          </a:p>
+          <a:p>
+            <a:r>
+              <a:rPr lang="fr-MA" dirty="0" smtClean="0"/>
+              <a:t>Jonathan nous a envoyé quelques informations </a:t>
+            </a:r>
+            <a:r>
+              <a:rPr lang="fr-MA" dirty="0" smtClean="0"/>
+              <a:t>supplémentaires concernant son téléphone ainsi que ses caractéristiques pour créer l’affiche.</a:t>
+            </a:r>
+            <a:endParaRPr lang="fr-MA" dirty="0" smtClean="0"/>
+          </a:p>
+        </p:txBody>
+      </p:sp>
+    </p:spTree>
+    <p:extLst>
+      <p:ext uri="{BB962C8B-B14F-4D97-AF65-F5344CB8AC3E}">
+        <p14:creationId xmlns:p14="http://schemas.microsoft.com/office/powerpoint/2010/main" val="3363413669"/>
+      </p:ext>
+    </p:extLst>
+  </p:cSld>
+  <p:clrMapOvr>
+    <a:masterClrMapping/>
+  </p:clrMapOvr>
+  <p:timing>
+    <p:tnLst>
+      <p:par>
+        <p:cTn id="1" dur="indefinite" restart="never" nodeType="tmRoot"/>
+      </p:par>
+    </p:tnLst>
+  </p:timing>
+</p:sld>
+</file>
+
 <file path=ppt/slides/slide2.xml><?xml version="1.0" encoding="utf-8"?>
 <p:sld xmlns:a="http://schemas.openxmlformats.org/drawingml/2006/main" xmlns:r="http://schemas.openxmlformats.org/officeDocument/2006/relationships" xmlns:p="http://schemas.openxmlformats.org/presentationml/2006/main">
   <p:cSld>
@@ -20872,7 +21169,6 @@
               <a:rPr lang="fr-MA" dirty="0" smtClean="0"/>
               <a:t>Merci</a:t>
             </a:r>
-            <a:endParaRPr lang="fr-MA" dirty="0" smtClean="0"/>
           </a:p>
         </p:txBody>
       </p:sp>
@@ -20931,46 +21227,24 @@
             <a:pPr marL="457200" indent="-457200"/>
             <a:r>
               <a:rPr lang="fr-MA" dirty="0" err="1"/>
-              <a:t>Colors</a:t>
+              <a:t>Grid</a:t>
+            </a:r>
+            <a:r>
+              <a:rPr lang="fr-MA" dirty="0"/>
+              <a:t> </a:t>
+            </a:r>
+            <a:r>
+              <a:rPr lang="fr-MA" dirty="0" err="1" smtClean="0"/>
+              <a:t>BootstraP</a:t>
             </a:r>
             <a:endParaRPr lang="fr-MA" dirty="0"/>
           </a:p>
         </p:txBody>
       </p:sp>
-      <p:pic>
-        <p:nvPicPr>
-          <p:cNvPr id="4" name="Image 3"/>
-          <p:cNvPicPr>
-            <a:picLocks noChangeAspect="1"/>
-          </p:cNvPicPr>
-          <p:nvPr/>
-        </p:nvPicPr>
-        <p:blipFill>
-          <a:blip r:embed="rId2">
-            <a:extLst>
-              <a:ext uri="{28A0092B-C50C-407E-A947-70E740481C1C}">
-                <a14:useLocalDpi xmlns:a14="http://schemas.microsoft.com/office/drawing/2010/main" val="0"/>
-              </a:ext>
-            </a:extLst>
-          </a:blip>
-          <a:stretch>
-            <a:fillRect/>
-          </a:stretch>
-        </p:blipFill>
-        <p:spPr>
-          <a:xfrm>
-            <a:off x="1334371" y="2084832"/>
-            <a:ext cx="9099586" cy="4344945"/>
-          </a:xfrm>
-          <a:prstGeom prst="rect">
-            <a:avLst/>
-          </a:prstGeom>
-        </p:spPr>
-      </p:pic>
     </p:spTree>
     <p:extLst>
       <p:ext uri="{BB962C8B-B14F-4D97-AF65-F5344CB8AC3E}">
-        <p14:creationId xmlns:p14="http://schemas.microsoft.com/office/powerpoint/2010/main" val="3004881390"/>
+        <p14:creationId xmlns:p14="http://schemas.microsoft.com/office/powerpoint/2010/main" val="17838970"/>
       </p:ext>
     </p:extLst>
   </p:cSld>
@@ -21014,30 +21288,30 @@
             <p:ph type="title"/>
           </p:nvPr>
         </p:nvSpPr>
-        <p:spPr>
-          <a:xfrm>
-            <a:off x="1693598" y="3377401"/>
-            <a:ext cx="9720072" cy="1499616"/>
-          </a:xfrm>
-        </p:spPr>
+        <p:spPr/>
         <p:txBody>
-          <a:bodyPr>
-            <a:normAutofit fontScale="90000"/>
-          </a:bodyPr>
+          <a:bodyPr/>
           <a:lstStyle/>
           <a:p>
             <a:r>
-              <a:rPr lang="fr-FR" sz="41400" dirty="0" smtClean="0"/>
-              <a:t>Merci</a:t>
+              <a:rPr lang="fr-MA" dirty="0"/>
+              <a:t>Free High </a:t>
             </a:r>
-            <a:endParaRPr lang="fr-MA" dirty="0"/>
+            <a:r>
+              <a:rPr lang="fr-MA" dirty="0" err="1"/>
+              <a:t>Quality</a:t>
+            </a:r>
+            <a:r>
+              <a:rPr lang="fr-MA" dirty="0"/>
+              <a:t> Image</a:t>
+            </a:r>
           </a:p>
         </p:txBody>
       </p:sp>
     </p:spTree>
     <p:extLst>
       <p:ext uri="{BB962C8B-B14F-4D97-AF65-F5344CB8AC3E}">
-        <p14:creationId xmlns:p14="http://schemas.microsoft.com/office/powerpoint/2010/main" val="605908160"/>
+        <p14:creationId xmlns:p14="http://schemas.microsoft.com/office/powerpoint/2010/main" val="3004881390"/>
       </p:ext>
     </p:extLst>
   </p:cSld>
@@ -21083,91 +21357,12 @@
         </p:nvSpPr>
         <p:spPr/>
         <p:txBody>
-          <a:bodyPr>
-            <a:normAutofit/>
-          </a:bodyPr>
+          <a:bodyPr/>
           <a:lstStyle/>
           <a:p>
             <a:r>
-              <a:rPr lang="fr-FR" sz="5400" dirty="0" smtClean="0"/>
-              <a:t>Merci</a:t>
-            </a:r>
-            <a:endParaRPr lang="fr-MA" dirty="0"/>
-          </a:p>
-        </p:txBody>
-      </p:sp>
-      <p:sp>
-        <p:nvSpPr>
-          <p:cNvPr id="4" name="Rectangle 3"/>
-          <p:cNvSpPr/>
-          <p:nvPr/>
-        </p:nvSpPr>
-        <p:spPr>
-          <a:xfrm>
-            <a:off x="7908648" y="6488668"/>
-            <a:ext cx="4283352" cy="369332"/>
-          </a:xfrm>
-          <a:prstGeom prst="rect">
-            <a:avLst/>
-          </a:prstGeom>
-        </p:spPr>
-        <p:txBody>
-          <a:bodyPr wrap="none">
-            <a:spAutoFit/>
-          </a:bodyPr>
-          <a:lstStyle/>
-          <a:p>
-            <a:r>
-              <a:rPr lang="fr-MA" dirty="0" smtClean="0"/>
-              <a:t>Photos disponibles dans le dossier Simulation</a:t>
-            </a:r>
-            <a:endParaRPr lang="fr-MA" dirty="0"/>
-          </a:p>
-        </p:txBody>
-      </p:sp>
-      <p:sp>
-        <p:nvSpPr>
-          <p:cNvPr id="5" name="ZoneTexte 4"/>
-          <p:cNvSpPr txBox="1"/>
-          <p:nvPr/>
-        </p:nvSpPr>
-        <p:spPr>
-          <a:xfrm>
-            <a:off x="1485900" y="2775857"/>
-            <a:ext cx="9258300" cy="2308324"/>
-          </a:xfrm>
-          <a:prstGeom prst="rect">
-            <a:avLst/>
-          </a:prstGeom>
-          <a:noFill/>
-        </p:spPr>
-        <p:txBody>
-          <a:bodyPr wrap="square" rtlCol="0">
-            <a:spAutoFit/>
-          </a:bodyPr>
-          <a:lstStyle/>
-          <a:p>
-            <a:r>
-              <a:rPr lang="fr-MA" dirty="0" smtClean="0"/>
-              <a:t>Dans cette simulation, Jonathan ayant aimé le travail que vous avez effectué lors de sa demande concernant son père, revient vers vous pour vous faire une proposition d’affiche urgente pour sa boite de télécommunication.</a:t>
-            </a:r>
-          </a:p>
-          <a:p>
-            <a:endParaRPr lang="fr-MA" dirty="0"/>
-          </a:p>
-          <a:p>
-            <a:r>
-              <a:rPr lang="fr-MA" dirty="0" smtClean="0"/>
-              <a:t>Dans cette affiche Jonathan souhaite que vous présentiez son nouveau produit téléphonique le ZX-007.</a:t>
-            </a:r>
-          </a:p>
-          <a:p>
-            <a:endParaRPr lang="fr-MA" dirty="0"/>
-          </a:p>
-          <a:p>
-            <a:r>
-              <a:rPr lang="fr-MA" dirty="0" smtClean="0"/>
-              <a:t>Jonathan nous a envoyé quelques informations supplémentaires  </a:t>
+              <a:rPr lang="fr-MA" dirty="0"/>
+              <a:t>Patterns and Backgrounds</a:t>
             </a:r>
           </a:p>
         </p:txBody>
@@ -21175,7 +21370,259 @@
     </p:spTree>
     <p:extLst>
       <p:ext uri="{BB962C8B-B14F-4D97-AF65-F5344CB8AC3E}">
-        <p14:creationId xmlns:p14="http://schemas.microsoft.com/office/powerpoint/2010/main" val="3363413669"/>
+        <p14:creationId xmlns:p14="http://schemas.microsoft.com/office/powerpoint/2010/main" val="1811056389"/>
+      </p:ext>
+    </p:extLst>
+  </p:cSld>
+  <p:clrMapOvr>
+    <a:masterClrMapping/>
+  </p:clrMapOvr>
+  <p:timing>
+    <p:tnLst>
+      <p:par>
+        <p:cTn id="1" dur="indefinite" restart="never" nodeType="tmRoot"/>
+      </p:par>
+    </p:tnLst>
+  </p:timing>
+</p:sld>
+</file>
+
+<file path=ppt/slides/slide6.xml><?xml version="1.0" encoding="utf-8"?>
+<p:sld xmlns:a="http://schemas.openxmlformats.org/drawingml/2006/main" xmlns:r="http://schemas.openxmlformats.org/officeDocument/2006/relationships" xmlns:p="http://schemas.openxmlformats.org/presentationml/2006/main">
+  <p:cSld>
+    <p:spTree>
+      <p:nvGrpSpPr>
+        <p:cNvPr id="1" name=""/>
+        <p:cNvGrpSpPr/>
+        <p:nvPr/>
+      </p:nvGrpSpPr>
+      <p:grpSpPr>
+        <a:xfrm>
+          <a:off x="0" y="0"/>
+          <a:ext cx="0" cy="0"/>
+          <a:chOff x="0" y="0"/>
+          <a:chExt cx="0" cy="0"/>
+        </a:xfrm>
+      </p:grpSpPr>
+      <p:sp>
+        <p:nvSpPr>
+          <p:cNvPr id="2" name="Titre 1"/>
+          <p:cNvSpPr>
+            <a:spLocks noGrp="1"/>
+          </p:cNvSpPr>
+          <p:nvPr>
+            <p:ph type="title"/>
+          </p:nvPr>
+        </p:nvSpPr>
+        <p:spPr/>
+        <p:txBody>
+          <a:bodyPr/>
+          <a:lstStyle/>
+          <a:p>
+            <a:pPr marL="457200" indent="-457200"/>
+            <a:r>
+              <a:rPr lang="fr-MA" dirty="0" err="1"/>
+              <a:t>Brushes</a:t>
+            </a:r>
+            <a:r>
+              <a:rPr lang="fr-MA" dirty="0"/>
+              <a:t> and Brush </a:t>
+            </a:r>
+            <a:r>
+              <a:rPr lang="fr-MA" dirty="0" smtClean="0"/>
+              <a:t>Packs</a:t>
+            </a:r>
+            <a:endParaRPr lang="fr-MA" dirty="0"/>
+          </a:p>
+        </p:txBody>
+      </p:sp>
+    </p:spTree>
+    <p:extLst>
+      <p:ext uri="{BB962C8B-B14F-4D97-AF65-F5344CB8AC3E}">
+        <p14:creationId xmlns:p14="http://schemas.microsoft.com/office/powerpoint/2010/main" val="1749502724"/>
+      </p:ext>
+    </p:extLst>
+  </p:cSld>
+  <p:clrMapOvr>
+    <a:masterClrMapping/>
+  </p:clrMapOvr>
+  <p:timing>
+    <p:tnLst>
+      <p:par>
+        <p:cTn id="1" dur="indefinite" restart="never" nodeType="tmRoot"/>
+      </p:par>
+    </p:tnLst>
+  </p:timing>
+</p:sld>
+</file>
+
+<file path=ppt/slides/slide7.xml><?xml version="1.0" encoding="utf-8"?>
+<p:sld xmlns:a="http://schemas.openxmlformats.org/drawingml/2006/main" xmlns:r="http://schemas.openxmlformats.org/officeDocument/2006/relationships" xmlns:p="http://schemas.openxmlformats.org/presentationml/2006/main">
+  <p:cSld>
+    <p:spTree>
+      <p:nvGrpSpPr>
+        <p:cNvPr id="1" name=""/>
+        <p:cNvGrpSpPr/>
+        <p:nvPr/>
+      </p:nvGrpSpPr>
+      <p:grpSpPr>
+        <a:xfrm>
+          <a:off x="0" y="0"/>
+          <a:ext cx="0" cy="0"/>
+          <a:chOff x="0" y="0"/>
+          <a:chExt cx="0" cy="0"/>
+        </a:xfrm>
+      </p:grpSpPr>
+      <p:sp>
+        <p:nvSpPr>
+          <p:cNvPr id="2" name="Titre 1"/>
+          <p:cNvSpPr>
+            <a:spLocks noGrp="1"/>
+          </p:cNvSpPr>
+          <p:nvPr>
+            <p:ph type="title"/>
+          </p:nvPr>
+        </p:nvSpPr>
+        <p:spPr/>
+        <p:txBody>
+          <a:bodyPr/>
+          <a:lstStyle/>
+          <a:p>
+            <a:r>
+              <a:rPr lang="fr-MA" dirty="0"/>
+              <a:t>Styles and Gradients</a:t>
+            </a:r>
+          </a:p>
+        </p:txBody>
+      </p:sp>
+    </p:spTree>
+    <p:extLst>
+      <p:ext uri="{BB962C8B-B14F-4D97-AF65-F5344CB8AC3E}">
+        <p14:creationId xmlns:p14="http://schemas.microsoft.com/office/powerpoint/2010/main" val="1988215845"/>
+      </p:ext>
+    </p:extLst>
+  </p:cSld>
+  <p:clrMapOvr>
+    <a:masterClrMapping/>
+  </p:clrMapOvr>
+  <p:timing>
+    <p:tnLst>
+      <p:par>
+        <p:cTn id="1" dur="indefinite" restart="never" nodeType="tmRoot"/>
+      </p:par>
+    </p:tnLst>
+  </p:timing>
+</p:sld>
+</file>
+
+<file path=ppt/slides/slide8.xml><?xml version="1.0" encoding="utf-8"?>
+<p:sld xmlns:a="http://schemas.openxmlformats.org/drawingml/2006/main" xmlns:r="http://schemas.openxmlformats.org/officeDocument/2006/relationships" xmlns:p="http://schemas.openxmlformats.org/presentationml/2006/main">
+  <p:cSld>
+    <p:spTree>
+      <p:nvGrpSpPr>
+        <p:cNvPr id="1" name=""/>
+        <p:cNvGrpSpPr/>
+        <p:nvPr/>
+      </p:nvGrpSpPr>
+      <p:grpSpPr>
+        <a:xfrm>
+          <a:off x="0" y="0"/>
+          <a:ext cx="0" cy="0"/>
+          <a:chOff x="0" y="0"/>
+          <a:chExt cx="0" cy="0"/>
+        </a:xfrm>
+      </p:grpSpPr>
+      <p:sp>
+        <p:nvSpPr>
+          <p:cNvPr id="2" name="Titre 1"/>
+          <p:cNvSpPr>
+            <a:spLocks noGrp="1"/>
+          </p:cNvSpPr>
+          <p:nvPr>
+            <p:ph type="title"/>
+          </p:nvPr>
+        </p:nvSpPr>
+        <p:spPr/>
+        <p:txBody>
+          <a:bodyPr/>
+          <a:lstStyle/>
+          <a:p>
+            <a:r>
+              <a:rPr lang="fr-MA" dirty="0"/>
+              <a:t>Custom </a:t>
+            </a:r>
+            <a:r>
+              <a:rPr lang="fr-MA" dirty="0" err="1"/>
+              <a:t>Shapes</a:t>
+            </a:r>
+            <a:endParaRPr lang="fr-MA" dirty="0"/>
+          </a:p>
+        </p:txBody>
+      </p:sp>
+    </p:spTree>
+    <p:extLst>
+      <p:ext uri="{BB962C8B-B14F-4D97-AF65-F5344CB8AC3E}">
+        <p14:creationId xmlns:p14="http://schemas.microsoft.com/office/powerpoint/2010/main" val="2134027757"/>
+      </p:ext>
+    </p:extLst>
+  </p:cSld>
+  <p:clrMapOvr>
+    <a:masterClrMapping/>
+  </p:clrMapOvr>
+  <p:timing>
+    <p:tnLst>
+      <p:par>
+        <p:cTn id="1" dur="indefinite" restart="never" nodeType="tmRoot"/>
+      </p:par>
+    </p:tnLst>
+  </p:timing>
+</p:sld>
+</file>
+
+<file path=ppt/slides/slide9.xml><?xml version="1.0" encoding="utf-8"?>
+<p:sld xmlns:a="http://schemas.openxmlformats.org/drawingml/2006/main" xmlns:r="http://schemas.openxmlformats.org/officeDocument/2006/relationships" xmlns:p="http://schemas.openxmlformats.org/presentationml/2006/main">
+  <p:cSld>
+    <p:spTree>
+      <p:nvGrpSpPr>
+        <p:cNvPr id="1" name=""/>
+        <p:cNvGrpSpPr/>
+        <p:nvPr/>
+      </p:nvGrpSpPr>
+      <p:grpSpPr>
+        <a:xfrm>
+          <a:off x="0" y="0"/>
+          <a:ext cx="0" cy="0"/>
+          <a:chOff x="0" y="0"/>
+          <a:chExt cx="0" cy="0"/>
+        </a:xfrm>
+      </p:grpSpPr>
+      <p:sp>
+        <p:nvSpPr>
+          <p:cNvPr id="2" name="Titre 1"/>
+          <p:cNvSpPr>
+            <a:spLocks noGrp="1"/>
+          </p:cNvSpPr>
+          <p:nvPr>
+            <p:ph type="title"/>
+          </p:nvPr>
+        </p:nvSpPr>
+        <p:spPr/>
+        <p:txBody>
+          <a:bodyPr/>
+          <a:lstStyle/>
+          <a:p>
+            <a:r>
+              <a:rPr lang="fr-MA" dirty="0" err="1"/>
+              <a:t>Icons</a:t>
+            </a:r>
+            <a:endParaRPr lang="fr-MA" dirty="0"/>
+          </a:p>
+        </p:txBody>
+      </p:sp>
+    </p:spTree>
+    <p:extLst>
+      <p:ext uri="{BB962C8B-B14F-4D97-AF65-F5344CB8AC3E}">
+        <p14:creationId xmlns:p14="http://schemas.microsoft.com/office/powerpoint/2010/main" val="1664801601"/>
       </p:ext>
     </p:extLst>
   </p:cSld>

--- a/4. Avoir une base d’images HQR (High Quality Resources)/Avoir une base d’images HQR (High Quality Resources).pptx
+++ b/4. Avoir une base d’images HQR (High Quality Resources)/Avoir une base d’images HQR (High Quality Resources).pptx
@@ -20736,6 +20736,36 @@
           </a:p>
         </p:txBody>
       </p:sp>
+      <p:pic>
+        <p:nvPicPr>
+          <p:cNvPr id="3" name="Image 2"/>
+          <p:cNvPicPr>
+            <a:picLocks noChangeAspect="1"/>
+          </p:cNvPicPr>
+          <p:nvPr/>
+        </p:nvPicPr>
+        <p:blipFill>
+          <a:blip r:embed="rId2">
+            <a:extLst>
+              <a:ext uri="{28A0092B-C50C-407E-A947-70E740481C1C}">
+                <a14:useLocalDpi xmlns:a14="http://schemas.microsoft.com/office/drawing/2010/main" val="0"/>
+              </a:ext>
+            </a:extLst>
+          </a:blip>
+          <a:stretch>
+            <a:fillRect/>
+          </a:stretch>
+        </p:blipFill>
+        <p:spPr>
+          <a:xfrm>
+            <a:off x="2003842" y="1716748"/>
+            <a:ext cx="7760643" cy="4865481"/>
+          </a:xfrm>
+          <a:prstGeom prst="rect">
+            <a:avLst/>
+          </a:prstGeom>
+        </p:spPr>
+      </p:pic>
     </p:spTree>
     <p:extLst>
       <p:ext uri="{BB962C8B-B14F-4D97-AF65-F5344CB8AC3E}">
@@ -20888,15 +20918,7 @@
           <a:p>
             <a:r>
               <a:rPr lang="fr-MA" dirty="0" smtClean="0"/>
-              <a:t>Matière</a:t>
-            </a:r>
-            <a:r>
-              <a:rPr lang="fr-MA" dirty="0" smtClean="0"/>
-              <a:t> </a:t>
-            </a:r>
-            <a:r>
-              <a:rPr lang="fr-MA" dirty="0" smtClean="0"/>
-              <a:t>disponibles dans le dossier Simulation</a:t>
+              <a:t>Matière disponibles dans le dossier Simulation</a:t>
             </a:r>
             <a:endParaRPr lang="fr-MA" dirty="0"/>
           </a:p>
@@ -20926,15 +20948,7 @@
           <a:p>
             <a:r>
               <a:rPr lang="fr-MA" dirty="0" smtClean="0"/>
-              <a:t>Oups! Nous venons de recevoir un appel de</a:t>
-            </a:r>
-            <a:r>
-              <a:rPr lang="fr-MA" dirty="0" smtClean="0"/>
-              <a:t> Jonathan, </a:t>
-            </a:r>
-            <a:r>
-              <a:rPr lang="fr-MA" dirty="0" smtClean="0"/>
-              <a:t>ayant aimé le travail que vous avez effectué lors de sa demande concernant son père, revient vers vous pour vous faire une proposition d’affiche urgente pour sa boite de télécommunication.</a:t>
+              <a:t>Oups! Nous venons de recevoir un appel de Jonathan, ayant aimé le travail que vous avez effectué lors de sa demande concernant son père, revient vers vous pour vous faire une proposition d’affiche urgente pour sa boite de télécommunication.</a:t>
             </a:r>
           </a:p>
           <a:p>
@@ -20943,8 +20957,53 @@
           <a:p>
             <a:r>
               <a:rPr lang="fr-MA" dirty="0" smtClean="0"/>
-              <a:t>Dans cette affiche Jonathan souhaite que vous présentiez son nouveau produit téléphonique le ZX-007.</a:t>
+              <a:t>Dans cette affiche Jonathan souhaite que vous présentiez son </a:t>
             </a:r>
+            <a:r>
+              <a:rPr lang="fr-MA" b="1" dirty="0" smtClean="0"/>
+              <a:t>tout nouveau </a:t>
+            </a:r>
+            <a:r>
+              <a:rPr lang="fr-MA" dirty="0" smtClean="0"/>
+              <a:t>produit </a:t>
+            </a:r>
+            <a:r>
+              <a:rPr lang="fr-MA" dirty="0" smtClean="0"/>
+              <a:t>téléphonique, le téléphone </a:t>
+            </a:r>
+            <a:r>
+              <a:rPr lang="fr-MA" b="1" dirty="0" smtClean="0"/>
+              <a:t>futuriste</a:t>
+            </a:r>
+            <a:r>
+              <a:rPr lang="fr-MA" dirty="0" smtClean="0"/>
+              <a:t> </a:t>
+            </a:r>
+            <a:r>
+              <a:rPr lang="fr-MA" b="1" dirty="0" smtClean="0"/>
+              <a:t>ZX-007</a:t>
+            </a:r>
+            <a:r>
+              <a:rPr lang="fr-MA" dirty="0" smtClean="0"/>
+              <a:t> connut pour être </a:t>
+            </a:r>
+            <a:r>
+              <a:rPr lang="fr-MA" b="1" dirty="0" smtClean="0"/>
+              <a:t>incassable</a:t>
+            </a:r>
+            <a:r>
+              <a:rPr lang="fr-MA" dirty="0" smtClean="0"/>
+              <a:t> et </a:t>
+            </a:r>
+            <a:r>
+              <a:rPr lang="fr-MA" b="1" dirty="0" smtClean="0"/>
+              <a:t>performent</a:t>
+            </a:r>
+            <a:r>
+              <a:rPr lang="fr-MA" dirty="0" smtClean="0"/>
+              <a:t>.</a:t>
+            </a:r>
+            <a:endParaRPr lang="fr-MA" dirty="0" smtClean="0"/>
           </a:p>
           <a:p>
             <a:endParaRPr lang="fr-MA" dirty="0"/>
@@ -20952,13 +21011,8 @@
           <a:p>
             <a:r>
               <a:rPr lang="fr-MA" dirty="0" smtClean="0"/>
-              <a:t>Jonathan nous a envoyé quelques informations </a:t>
+              <a:t>Jonathan nous a envoyé quelques informations supplémentaires concernant son téléphone ainsi que ses caractéristiques pour créer l’affiche.</a:t>
             </a:r>
-            <a:r>
-              <a:rPr lang="fr-MA" dirty="0" smtClean="0"/>
-              <a:t>supplémentaires concernant son téléphone ainsi que ses caractéristiques pour créer l’affiche.</a:t>
-            </a:r>
-            <a:endParaRPr lang="fr-MA" dirty="0" smtClean="0"/>
           </a:p>
         </p:txBody>
       </p:sp>
@@ -21035,7 +21089,7 @@
         <p:spPr/>
         <p:txBody>
           <a:bodyPr>
-            <a:normAutofit lnSpcReduction="10000"/>
+            <a:normAutofit fontScale="92500" lnSpcReduction="20000"/>
           </a:bodyPr>
           <a:lstStyle/>
           <a:p>
@@ -21167,6 +21221,17 @@
             </a:pPr>
             <a:r>
               <a:rPr lang="fr-MA" dirty="0" smtClean="0"/>
+              <a:t>Font</a:t>
+            </a:r>
+            <a:endParaRPr lang="fr-MA" dirty="0" smtClean="0"/>
+          </a:p>
+          <a:p>
+            <a:pPr marL="457200" indent="-457200">
+              <a:buFont typeface="+mj-lt"/>
+              <a:buAutoNum type="arabicPeriod"/>
+            </a:pPr>
+            <a:r>
+              <a:rPr lang="fr-MA" dirty="0" smtClean="0"/>
               <a:t>Merci</a:t>
             </a:r>
           </a:p>
@@ -21241,6 +21306,36 @@
           </a:p>
         </p:txBody>
       </p:sp>
+      <p:pic>
+        <p:nvPicPr>
+          <p:cNvPr id="4" name="Image 3"/>
+          <p:cNvPicPr>
+            <a:picLocks noChangeAspect="1"/>
+          </p:cNvPicPr>
+          <p:nvPr/>
+        </p:nvPicPr>
+        <p:blipFill>
+          <a:blip r:embed="rId2">
+            <a:extLst>
+              <a:ext uri="{28A0092B-C50C-407E-A947-70E740481C1C}">
+                <a14:useLocalDpi xmlns:a14="http://schemas.microsoft.com/office/drawing/2010/main" val="0"/>
+              </a:ext>
+            </a:extLst>
+          </a:blip>
+          <a:stretch>
+            <a:fillRect/>
+          </a:stretch>
+        </p:blipFill>
+        <p:spPr>
+          <a:xfrm>
+            <a:off x="2142200" y="2084832"/>
+            <a:ext cx="7483928" cy="4633740"/>
+          </a:xfrm>
+          <a:prstGeom prst="rect">
+            <a:avLst/>
+          </a:prstGeom>
+        </p:spPr>
+      </p:pic>
     </p:spTree>
     <p:extLst>
       <p:ext uri="{BB962C8B-B14F-4D97-AF65-F5344CB8AC3E}">
@@ -21308,6 +21403,36 @@
           </a:p>
         </p:txBody>
       </p:sp>
+      <p:pic>
+        <p:nvPicPr>
+          <p:cNvPr id="3" name="Image 2"/>
+          <p:cNvPicPr>
+            <a:picLocks noChangeAspect="1"/>
+          </p:cNvPicPr>
+          <p:nvPr/>
+        </p:nvPicPr>
+        <p:blipFill>
+          <a:blip r:embed="rId2">
+            <a:extLst>
+              <a:ext uri="{28A0092B-C50C-407E-A947-70E740481C1C}">
+                <a14:useLocalDpi xmlns:a14="http://schemas.microsoft.com/office/drawing/2010/main" val="0"/>
+              </a:ext>
+            </a:extLst>
+          </a:blip>
+          <a:stretch>
+            <a:fillRect/>
+          </a:stretch>
+        </p:blipFill>
+        <p:spPr>
+          <a:xfrm>
+            <a:off x="1731944" y="2084832"/>
+            <a:ext cx="8304439" cy="4582102"/>
+          </a:xfrm>
+          <a:prstGeom prst="rect">
+            <a:avLst/>
+          </a:prstGeom>
+        </p:spPr>
+      </p:pic>
     </p:spTree>
     <p:extLst>
       <p:ext uri="{BB962C8B-B14F-4D97-AF65-F5344CB8AC3E}">
@@ -21367,6 +21492,36 @@
           </a:p>
         </p:txBody>
       </p:sp>
+      <p:pic>
+        <p:nvPicPr>
+          <p:cNvPr id="3" name="Image 2"/>
+          <p:cNvPicPr>
+            <a:picLocks noChangeAspect="1"/>
+          </p:cNvPicPr>
+          <p:nvPr/>
+        </p:nvPicPr>
+        <p:blipFill>
+          <a:blip r:embed="rId2">
+            <a:extLst>
+              <a:ext uri="{28A0092B-C50C-407E-A947-70E740481C1C}">
+                <a14:useLocalDpi xmlns:a14="http://schemas.microsoft.com/office/drawing/2010/main" val="0"/>
+              </a:ext>
+            </a:extLst>
+          </a:blip>
+          <a:stretch>
+            <a:fillRect/>
+          </a:stretch>
+        </p:blipFill>
+        <p:spPr>
+          <a:xfrm>
+            <a:off x="2657344" y="2084832"/>
+            <a:ext cx="6453639" cy="4477212"/>
+          </a:xfrm>
+          <a:prstGeom prst="rect">
+            <a:avLst/>
+          </a:prstGeom>
+        </p:spPr>
+      </p:pic>
     </p:spTree>
     <p:extLst>
       <p:ext uri="{BB962C8B-B14F-4D97-AF65-F5344CB8AC3E}">
@@ -21436,6 +21591,36 @@
           </a:p>
         </p:txBody>
       </p:sp>
+      <p:pic>
+        <p:nvPicPr>
+          <p:cNvPr id="3" name="Image 2"/>
+          <p:cNvPicPr>
+            <a:picLocks noChangeAspect="1"/>
+          </p:cNvPicPr>
+          <p:nvPr/>
+        </p:nvPicPr>
+        <p:blipFill>
+          <a:blip r:embed="rId2">
+            <a:extLst>
+              <a:ext uri="{28A0092B-C50C-407E-A947-70E740481C1C}">
+                <a14:useLocalDpi xmlns:a14="http://schemas.microsoft.com/office/drawing/2010/main" val="0"/>
+              </a:ext>
+            </a:extLst>
+          </a:blip>
+          <a:stretch>
+            <a:fillRect/>
+          </a:stretch>
+        </p:blipFill>
+        <p:spPr>
+          <a:xfrm>
+            <a:off x="2735471" y="2084832"/>
+            <a:ext cx="6297386" cy="4424634"/>
+          </a:xfrm>
+          <a:prstGeom prst="rect">
+            <a:avLst/>
+          </a:prstGeom>
+        </p:spPr>
+      </p:pic>
     </p:spTree>
     <p:extLst>
       <p:ext uri="{BB962C8B-B14F-4D97-AF65-F5344CB8AC3E}">
@@ -21495,6 +21680,36 @@
           </a:p>
         </p:txBody>
       </p:sp>
+      <p:pic>
+        <p:nvPicPr>
+          <p:cNvPr id="3" name="Image 2"/>
+          <p:cNvPicPr>
+            <a:picLocks noChangeAspect="1"/>
+          </p:cNvPicPr>
+          <p:nvPr/>
+        </p:nvPicPr>
+        <p:blipFill>
+          <a:blip r:embed="rId2">
+            <a:extLst>
+              <a:ext uri="{28A0092B-C50C-407E-A947-70E740481C1C}">
+                <a14:useLocalDpi xmlns:a14="http://schemas.microsoft.com/office/drawing/2010/main" val="0"/>
+              </a:ext>
+            </a:extLst>
+          </a:blip>
+          <a:stretch>
+            <a:fillRect/>
+          </a:stretch>
+        </p:blipFill>
+        <p:spPr>
+          <a:xfrm>
+            <a:off x="1824228" y="2084832"/>
+            <a:ext cx="8119872" cy="4335854"/>
+          </a:xfrm>
+          <a:prstGeom prst="rect">
+            <a:avLst/>
+          </a:prstGeom>
+        </p:spPr>
+      </p:pic>
     </p:spTree>
     <p:extLst>
       <p:ext uri="{BB962C8B-B14F-4D97-AF65-F5344CB8AC3E}">
@@ -21559,6 +21774,36 @@
           </a:p>
         </p:txBody>
       </p:sp>
+      <p:pic>
+        <p:nvPicPr>
+          <p:cNvPr id="3" name="Image 2"/>
+          <p:cNvPicPr>
+            <a:picLocks noChangeAspect="1"/>
+          </p:cNvPicPr>
+          <p:nvPr/>
+        </p:nvPicPr>
+        <p:blipFill>
+          <a:blip r:embed="rId2">
+            <a:extLst>
+              <a:ext uri="{28A0092B-C50C-407E-A947-70E740481C1C}">
+                <a14:useLocalDpi xmlns:a14="http://schemas.microsoft.com/office/drawing/2010/main" val="0"/>
+              </a:ext>
+            </a:extLst>
+          </a:blip>
+          <a:stretch>
+            <a:fillRect/>
+          </a:stretch>
+        </p:blipFill>
+        <p:spPr>
+          <a:xfrm>
+            <a:off x="3033032" y="2084832"/>
+            <a:ext cx="5245554" cy="4326978"/>
+          </a:xfrm>
+          <a:prstGeom prst="rect">
+            <a:avLst/>
+          </a:prstGeom>
+        </p:spPr>
+      </p:pic>
     </p:spTree>
     <p:extLst>
       <p:ext uri="{BB962C8B-B14F-4D97-AF65-F5344CB8AC3E}">
@@ -21619,6 +21864,36 @@
           </a:p>
         </p:txBody>
       </p:sp>
+      <p:pic>
+        <p:nvPicPr>
+          <p:cNvPr id="3" name="Image 2"/>
+          <p:cNvPicPr>
+            <a:picLocks noChangeAspect="1"/>
+          </p:cNvPicPr>
+          <p:nvPr/>
+        </p:nvPicPr>
+        <p:blipFill>
+          <a:blip r:embed="rId2">
+            <a:extLst>
+              <a:ext uri="{28A0092B-C50C-407E-A947-70E740481C1C}">
+                <a14:useLocalDpi xmlns:a14="http://schemas.microsoft.com/office/drawing/2010/main" val="0"/>
+              </a:ext>
+            </a:extLst>
+          </a:blip>
+          <a:stretch>
+            <a:fillRect/>
+          </a:stretch>
+        </p:blipFill>
+        <p:spPr>
+          <a:xfrm>
+            <a:off x="1024128" y="2775857"/>
+            <a:ext cx="10749098" cy="2146301"/>
+          </a:xfrm>
+          <a:prstGeom prst="rect">
+            <a:avLst/>
+          </a:prstGeom>
+        </p:spPr>
+      </p:pic>
     </p:spTree>
     <p:extLst>
       <p:ext uri="{BB962C8B-B14F-4D97-AF65-F5344CB8AC3E}">

--- a/4. Avoir une base d’images HQR (High Quality Resources)/Avoir une base d’images HQR (High Quality Resources).pptx
+++ b/4. Avoir une base d’images HQR (High Quality Resources)/Avoir une base d’images HQR (High Quality Resources).pptx
@@ -14,9 +14,10 @@
     <p:sldId id="284" r:id="rId8"/>
     <p:sldId id="285" r:id="rId9"/>
     <p:sldId id="286" r:id="rId10"/>
-    <p:sldId id="287" r:id="rId11"/>
-    <p:sldId id="274" r:id="rId12"/>
-    <p:sldId id="280" r:id="rId13"/>
+    <p:sldId id="288" r:id="rId11"/>
+    <p:sldId id="287" r:id="rId12"/>
+    <p:sldId id="274" r:id="rId13"/>
+    <p:sldId id="280" r:id="rId14"/>
   </p:sldIdLst>
   <p:sldSz cx="12192000" cy="6858000"/>
   <p:notesSz cx="6858000" cy="9144000"/>
@@ -20725,6 +20726,96 @@
           <a:lstStyle/>
           <a:p>
             <a:r>
+              <a:rPr lang="fr-MA" dirty="0" err="1" smtClean="0"/>
+              <a:t>FONTs</a:t>
+            </a:r>
+            <a:endParaRPr lang="fr-MA" dirty="0"/>
+          </a:p>
+        </p:txBody>
+      </p:sp>
+      <p:pic>
+        <p:nvPicPr>
+          <p:cNvPr id="4" name="Image 3"/>
+          <p:cNvPicPr>
+            <a:picLocks noChangeAspect="1"/>
+          </p:cNvPicPr>
+          <p:nvPr/>
+        </p:nvPicPr>
+        <p:blipFill>
+          <a:blip r:embed="rId2">
+            <a:extLst>
+              <a:ext uri="{28A0092B-C50C-407E-A947-70E740481C1C}">
+                <a14:useLocalDpi xmlns:a14="http://schemas.microsoft.com/office/drawing/2010/main" val="0"/>
+              </a:ext>
+            </a:extLst>
+          </a:blip>
+          <a:stretch>
+            <a:fillRect/>
+          </a:stretch>
+        </p:blipFill>
+        <p:spPr>
+          <a:xfrm>
+            <a:off x="3655908" y="1726855"/>
+            <a:ext cx="4456511" cy="4918874"/>
+          </a:xfrm>
+          <a:prstGeom prst="rect">
+            <a:avLst/>
+          </a:prstGeom>
+        </p:spPr>
+      </p:pic>
+    </p:spTree>
+    <p:extLst>
+      <p:ext uri="{BB962C8B-B14F-4D97-AF65-F5344CB8AC3E}">
+        <p14:creationId xmlns:p14="http://schemas.microsoft.com/office/powerpoint/2010/main" val="1687915107"/>
+      </p:ext>
+    </p:extLst>
+  </p:cSld>
+  <p:clrMapOvr>
+    <a:masterClrMapping/>
+  </p:clrMapOvr>
+  <p:timing>
+    <p:tnLst>
+      <p:par>
+        <p:cTn id="1" dur="indefinite" restart="never" nodeType="tmRoot"/>
+      </p:par>
+    </p:tnLst>
+  </p:timing>
+</p:sld>
+</file>
+
+<file path=ppt/slides/slide11.xml><?xml version="1.0" encoding="utf-8"?>
+<p:sld xmlns:a="http://schemas.openxmlformats.org/drawingml/2006/main" xmlns:r="http://schemas.openxmlformats.org/officeDocument/2006/relationships" xmlns:p="http://schemas.openxmlformats.org/presentationml/2006/main">
+  <p:cSld>
+    <p:spTree>
+      <p:nvGrpSpPr>
+        <p:cNvPr id="1" name=""/>
+        <p:cNvGrpSpPr/>
+        <p:nvPr/>
+      </p:nvGrpSpPr>
+      <p:grpSpPr>
+        <a:xfrm>
+          <a:off x="0" y="0"/>
+          <a:ext cx="0" cy="0"/>
+          <a:chOff x="0" y="0"/>
+          <a:chExt cx="0" cy="0"/>
+        </a:xfrm>
+      </p:grpSpPr>
+      <p:sp>
+        <p:nvSpPr>
+          <p:cNvPr id="2" name="Titre 1"/>
+          <p:cNvSpPr>
+            <a:spLocks noGrp="1"/>
+          </p:cNvSpPr>
+          <p:nvPr>
+            <p:ph type="title"/>
+          </p:nvPr>
+        </p:nvSpPr>
+        <p:spPr/>
+        <p:txBody>
+          <a:bodyPr/>
+          <a:lstStyle/>
+          <a:p>
+            <a:r>
               <a:rPr lang="fr-MA" dirty="0"/>
               <a:t>Web Design </a:t>
             </a:r>
@@ -20786,7 +20877,7 @@
 </p:sld>
 </file>
 
-<file path=ppt/slides/slide11.xml><?xml version="1.0" encoding="utf-8"?>
+<file path=ppt/slides/slide12.xml><?xml version="1.0" encoding="utf-8"?>
 <p:sld xmlns:a="http://schemas.openxmlformats.org/drawingml/2006/main" xmlns:r="http://schemas.openxmlformats.org/officeDocument/2006/relationships" xmlns:p="http://schemas.openxmlformats.org/presentationml/2006/main">
   <p:cSld>
     <p:spTree>
@@ -20853,7 +20944,7 @@
 </p:sld>
 </file>
 
-<file path=ppt/slides/slide12.xml><?xml version="1.0" encoding="utf-8"?>
+<file path=ppt/slides/slide13.xml><?xml version="1.0" encoding="utf-8"?>
 <p:sld xmlns:a="http://schemas.openxmlformats.org/drawingml/2006/main" xmlns:r="http://schemas.openxmlformats.org/officeDocument/2006/relationships" xmlns:p="http://schemas.openxmlformats.org/presentationml/2006/main">
   <p:cSld>
     <p:spTree>
@@ -20965,11 +21056,7 @@
             </a:r>
             <a:r>
               <a:rPr lang="fr-MA" dirty="0" smtClean="0"/>
-              <a:t>produit </a:t>
-            </a:r>
-            <a:r>
-              <a:rPr lang="fr-MA" dirty="0" smtClean="0"/>
-              <a:t>téléphonique, le téléphone </a:t>
+              <a:t>produit téléphonique, le téléphone </a:t>
             </a:r>
             <a:r>
               <a:rPr lang="fr-MA" b="1" dirty="0" smtClean="0"/>
@@ -21003,7 +21090,6 @@
               <a:rPr lang="fr-MA" dirty="0" smtClean="0"/>
               <a:t>.</a:t>
             </a:r>
-            <a:endParaRPr lang="fr-MA" dirty="0" smtClean="0"/>
           </a:p>
           <a:p>
             <a:endParaRPr lang="fr-MA" dirty="0"/>
@@ -21206,6 +21292,17 @@
               <a:buAutoNum type="arabicPeriod"/>
             </a:pPr>
             <a:r>
+              <a:rPr lang="fr-MA" dirty="0" smtClean="0"/>
+              <a:t>Fonts</a:t>
+            </a:r>
+            <a:endParaRPr lang="fr-MA" dirty="0" smtClean="0"/>
+          </a:p>
+          <a:p>
+            <a:pPr marL="457200" indent="-457200">
+              <a:buFont typeface="+mj-lt"/>
+              <a:buAutoNum type="arabicPeriod"/>
+            </a:pPr>
+            <a:r>
               <a:rPr lang="fr-MA" dirty="0"/>
               <a:t>Web Design </a:t>
             </a:r>
@@ -21221,19 +21318,9 @@
             </a:pPr>
             <a:r>
               <a:rPr lang="fr-MA" dirty="0" smtClean="0"/>
-              <a:t>Font</a:t>
+              <a:t>Merci</a:t>
             </a:r>
             <a:endParaRPr lang="fr-MA" dirty="0" smtClean="0"/>
-          </a:p>
-          <a:p>
-            <a:pPr marL="457200" indent="-457200">
-              <a:buFont typeface="+mj-lt"/>
-              <a:buAutoNum type="arabicPeriod"/>
-            </a:pPr>
-            <a:r>
-              <a:rPr lang="fr-MA" dirty="0" smtClean="0"/>
-              <a:t>Merci</a:t>
-            </a:r>
           </a:p>
         </p:txBody>
       </p:sp>
